--- a/slides/COP2073C-Module12.pptx
+++ b/slides/COP2073C-Module12.pptx
@@ -235,7 +235,7 @@
           <a:p>
             <a:fld id="{2A37B5DA-8E33-465E-AA6E-3D89F39FC24F}" type="datetimeFigureOut">
               <a:rPr lang="en-US" smtClean="0"/>
-              <a:t>8/3/2020</a:t>
+              <a:t>1/1/2023</a:t>
             </a:fld>
             <a:endParaRPr lang="en-US" dirty="0"/>
           </a:p>
@@ -6422,7 +6422,7 @@
         <p:spPr>
           <a:xfrm>
             <a:off x="914400" y="1148080"/>
-            <a:ext cx="8686800" cy="5328920"/>
+            <a:ext cx="8686800" cy="5599332"/>
           </a:xfrm>
         </p:spPr>
         <p:txBody>
@@ -6463,7 +6463,15 @@
             <a:pPr lvl="1"/>
             <a:r>
               <a:rPr lang="en-US" dirty="0"/>
-              <a:t>A boxplot is a type of visual shorthand for a distribution of values that is popular among statisticians</a:t>
+              <a:t>A </a:t>
+            </a:r>
+            <a:r>
+              <a:rPr lang="en-US"/>
+              <a:t>boxplot provides a visual </a:t>
+            </a:r>
+            <a:r>
+              <a:rPr lang="en-US" dirty="0"/>
+              <a:t>shorthand for a distribution of values that is popular among statisticians</a:t>
             </a:r>
           </a:p>
         </p:txBody>
@@ -6653,17 +6661,10 @@
           <a:p>
             <a:pPr lvl="1"/>
             <a:r>
-              <a:rPr lang="en-US" sz="2400" dirty="0"/>
-              <a:t>A line (or whisker) extends from each end of the box and goes to the farthest </a:t>
-            </a:r>
-            <a:r>
-              <a:rPr lang="en-US" sz="2400" u="sng" dirty="0"/>
-              <a:t>non</a:t>
-            </a:r>
-            <a:r>
-              <a:rPr lang="en-US" sz="2400" dirty="0"/>
-              <a:t>outlier point in the distribution (determined by a calculation knows as the "IQR", or interquartile range)</a:t>
-            </a:r>
+              <a:rPr lang="en-US" sz="2400"/>
+              <a:t>A line ("whisker") extends from each end of the box and goes to the farthest non-outlier point in the distribution (determined by the IQR)</a:t>
+            </a:r>
+            <a:endParaRPr lang="en-US" sz="2400" dirty="0"/>
           </a:p>
         </p:txBody>
       </p:sp>
@@ -7220,8 +7221,8 @@
         </p:nvSpPr>
         <p:spPr>
           <a:xfrm>
-            <a:off x="1019907" y="1249680"/>
-            <a:ext cx="9659815" cy="5227320"/>
+            <a:off x="926123" y="1249680"/>
+            <a:ext cx="9753599" cy="5227320"/>
           </a:xfrm>
         </p:spPr>
         <p:txBody>
@@ -7259,7 +7260,7 @@
         </p:blipFill>
         <p:spPr>
           <a:xfrm>
-            <a:off x="410036" y="2809398"/>
+            <a:off x="1108436" y="2878990"/>
             <a:ext cx="5613778" cy="3785652"/>
           </a:xfrm>
           <a:prstGeom prst="rect">
@@ -7286,8 +7287,8 @@
         </p:nvSpPr>
         <p:spPr>
           <a:xfrm>
-            <a:off x="378691" y="1871789"/>
-            <a:ext cx="10668000" cy="830997"/>
+            <a:off x="926123" y="1871789"/>
+            <a:ext cx="10120568" cy="707886"/>
           </a:xfrm>
           <a:prstGeom prst="rect">
             <a:avLst/>
@@ -7305,21 +7306,21 @@
           <a:lstStyle/>
           <a:p>
             <a:r>
-              <a:rPr lang="en-US" sz="2400" dirty="0">
+              <a:rPr lang="en-US" sz="2000" dirty="0">
                 <a:latin typeface="Courier New" panose="02070309020205020404" pitchFamily="49" charset="0"/>
                 <a:cs typeface="Courier New" panose="02070309020205020404" pitchFamily="49" charset="0"/>
               </a:rPr>
               <a:t>&gt; </a:t>
             </a:r>
             <a:r>
-              <a:rPr lang="en-US" sz="2400" dirty="0" err="1">
+              <a:rPr lang="en-US" sz="2000" dirty="0" err="1">
                 <a:latin typeface="Courier New" panose="02070309020205020404" pitchFamily="49" charset="0"/>
                 <a:cs typeface="Courier New" panose="02070309020205020404" pitchFamily="49" charset="0"/>
               </a:rPr>
               <a:t>ggplot</a:t>
             </a:r>
             <a:r>
-              <a:rPr lang="en-US" sz="2400" dirty="0">
+              <a:rPr lang="en-US" sz="2000" dirty="0">
                 <a:latin typeface="Courier New" panose="02070309020205020404" pitchFamily="49" charset="0"/>
                 <a:cs typeface="Courier New" panose="02070309020205020404" pitchFamily="49" charset="0"/>
               </a:rPr>
@@ -7328,49 +7329,49 @@
           </a:p>
           <a:p>
             <a:r>
-              <a:rPr lang="en-US" sz="2400" dirty="0">
+              <a:rPr lang="en-US" sz="2000" dirty="0">
                 <a:latin typeface="Courier New" panose="02070309020205020404" pitchFamily="49" charset="0"/>
                 <a:cs typeface="Courier New" panose="02070309020205020404" pitchFamily="49" charset="0"/>
               </a:rPr>
               <a:t>      mapping = </a:t>
             </a:r>
             <a:r>
-              <a:rPr lang="en-US" sz="2400" dirty="0" err="1">
+              <a:rPr lang="en-US" sz="2000" dirty="0" err="1">
                 <a:latin typeface="Courier New" panose="02070309020205020404" pitchFamily="49" charset="0"/>
                 <a:cs typeface="Courier New" panose="02070309020205020404" pitchFamily="49" charset="0"/>
               </a:rPr>
               <a:t>aes</a:t>
             </a:r>
             <a:r>
-              <a:rPr lang="en-US" sz="2400" dirty="0">
+              <a:rPr lang="en-US" sz="2000" dirty="0">
                 <a:latin typeface="Courier New" panose="02070309020205020404" pitchFamily="49" charset="0"/>
                 <a:cs typeface="Courier New" panose="02070309020205020404" pitchFamily="49" charset="0"/>
               </a:rPr>
               <a:t>(x = class, y = </a:t>
             </a:r>
             <a:r>
-              <a:rPr lang="en-US" sz="2400" dirty="0" err="1">
+              <a:rPr lang="en-US" sz="2000" dirty="0" err="1">
                 <a:latin typeface="Courier New" panose="02070309020205020404" pitchFamily="49" charset="0"/>
                 <a:cs typeface="Courier New" panose="02070309020205020404" pitchFamily="49" charset="0"/>
               </a:rPr>
               <a:t>hwy</a:t>
             </a:r>
             <a:r>
-              <a:rPr lang="en-US" sz="2400" dirty="0">
+              <a:rPr lang="en-US" sz="2000" dirty="0">
                 <a:latin typeface="Courier New" panose="02070309020205020404" pitchFamily="49" charset="0"/>
                 <a:cs typeface="Courier New" panose="02070309020205020404" pitchFamily="49" charset="0"/>
               </a:rPr>
               <a:t>)) + </a:t>
             </a:r>
             <a:r>
-              <a:rPr lang="en-US" sz="2400" dirty="0" err="1">
+              <a:rPr lang="en-US" sz="2000" dirty="0" err="1">
                 <a:latin typeface="Courier New" panose="02070309020205020404" pitchFamily="49" charset="0"/>
                 <a:cs typeface="Courier New" panose="02070309020205020404" pitchFamily="49" charset="0"/>
               </a:rPr>
               <a:t>geom_boxplot</a:t>
             </a:r>
             <a:r>
-              <a:rPr lang="en-US" sz="2400" dirty="0">
+              <a:rPr lang="en-US" sz="2000" dirty="0">
                 <a:latin typeface="Courier New" panose="02070309020205020404" pitchFamily="49" charset="0"/>
                 <a:cs typeface="Courier New" panose="02070309020205020404" pitchFamily="49" charset="0"/>
               </a:rPr>
@@ -7393,7 +7394,7 @@
         </p:nvSpPr>
         <p:spPr>
           <a:xfrm>
-            <a:off x="7402649" y="2809398"/>
+            <a:off x="8168768" y="2863580"/>
             <a:ext cx="2858952" cy="3785652"/>
           </a:xfrm>
           <a:prstGeom prst="rect">
@@ -10373,7 +10374,7 @@
         </p:spPr>
         <p:txBody>
           <a:bodyPr>
-            <a:normAutofit/>
+            <a:normAutofit lnSpcReduction="10000"/>
           </a:bodyPr>
           <a:lstStyle/>
           <a:p>
@@ -10383,7 +10384,15 @@
             </a:r>
             <a:r>
               <a:rPr lang="en-US" sz="2800" dirty="0"/>
-              <a:t> ("variation" is used the text) is the tendency of the values of a variable to change from measurement to measurement</a:t>
+              <a:t> ("variation" is </a:t>
+            </a:r>
+            <a:r>
+              <a:rPr lang="en-US" sz="2800"/>
+              <a:t>used in the </a:t>
+            </a:r>
+            <a:r>
+              <a:rPr lang="en-US" sz="2800" dirty="0"/>
+              <a:t>text) is the tendency of the values of a variable to change from measurement to measurement</a:t>
             </a:r>
           </a:p>
           <a:p>
